--- a/SE Final SIMS Presentation.pptx
+++ b/SE Final SIMS Presentation.pptx
@@ -866,15 +866,15 @@
       <cdr:y>0</cdr:y>
     </cdr:from>
     <cdr:to>
-      <cdr:x>1</cdr:x>
+      <cdr:x>0.62322</cdr:x>
       <cdr:y>1</cdr:y>
     </cdr:to>
     <cdr:pic>
       <cdr:nvPicPr>
-        <cdr:cNvPr id="5" name="Picture 4" descr="A close up of text on a white background&#10;&#10;Description automatically generated">
+        <cdr:cNvPr id="3" name="Picture 2" descr="A close up of text on a white background&#10;&#10;Description automatically generated">
           <a:extLst xmlns:a="http://schemas.openxmlformats.org/drawingml/2006/main">
             <a:ext uri="{FF2B5EF4-FFF2-40B4-BE49-F238E27FC236}">
-              <a16:creationId xmlns:a16="http://schemas.microsoft.com/office/drawing/2014/main" id="{B839A28B-1CF6-4144-9FC1-7460FCF7936D}"/>
+              <a16:creationId xmlns:a16="http://schemas.microsoft.com/office/drawing/2014/main" id="{B55D96D3-A997-4159-A737-C322B6D66E5F}"/>
             </a:ext>
           </a:extLst>
         </cdr:cNvPr>
@@ -891,7 +891,7 @@
       <cdr:spPr>
         <a:xfrm xmlns:a="http://schemas.openxmlformats.org/drawingml/2006/main">
           <a:off x="0" y="0"/>
-          <a:ext cx="9689766" cy="4444199"/>
+          <a:ext cx="6038850" cy="6115050"/>
         </a:xfrm>
         <a:prstGeom xmlns:a="http://schemas.openxmlformats.org/drawingml/2006/main" prst="rect">
           <a:avLst/>
@@ -28409,7 +28409,7 @@
           <p:nvPr>
             <p:extLst>
               <p:ext uri="{D42A27DB-BD31-4B8C-83A1-F6EECF244321}">
-                <p14:modId xmlns:p14="http://schemas.microsoft.com/office/powerpoint/2010/main" val="876521192"/>
+                <p14:modId xmlns:p14="http://schemas.microsoft.com/office/powerpoint/2010/main" val="3838335407"/>
               </p:ext>
             </p:extLst>
           </p:nvPr>

--- a/SE Final SIMS Presentation.pptx
+++ b/SE Final SIMS Presentation.pptx
@@ -13,21 +13,21 @@
   <p:sldIdLst>
     <p:sldId id="256" r:id="rId5"/>
     <p:sldId id="257" r:id="rId6"/>
-    <p:sldId id="287" r:id="rId7"/>
-    <p:sldId id="285" r:id="rId8"/>
-    <p:sldId id="284" r:id="rId9"/>
-    <p:sldId id="288" r:id="rId10"/>
-    <p:sldId id="298" r:id="rId11"/>
-    <p:sldId id="289" r:id="rId12"/>
-    <p:sldId id="290" r:id="rId13"/>
-    <p:sldId id="291" r:id="rId14"/>
-    <p:sldId id="292" r:id="rId15"/>
-    <p:sldId id="293" r:id="rId16"/>
-    <p:sldId id="286" r:id="rId17"/>
-    <p:sldId id="295" r:id="rId18"/>
-    <p:sldId id="294" r:id="rId19"/>
-    <p:sldId id="296" r:id="rId20"/>
-    <p:sldId id="297" r:id="rId21"/>
+    <p:sldId id="285" r:id="rId7"/>
+    <p:sldId id="284" r:id="rId8"/>
+    <p:sldId id="288" r:id="rId9"/>
+    <p:sldId id="298" r:id="rId10"/>
+    <p:sldId id="289" r:id="rId11"/>
+    <p:sldId id="290" r:id="rId12"/>
+    <p:sldId id="291" r:id="rId13"/>
+    <p:sldId id="292" r:id="rId14"/>
+    <p:sldId id="293" r:id="rId15"/>
+    <p:sldId id="286" r:id="rId16"/>
+    <p:sldId id="295" r:id="rId17"/>
+    <p:sldId id="294" r:id="rId18"/>
+    <p:sldId id="296" r:id="rId19"/>
+    <p:sldId id="297" r:id="rId20"/>
+    <p:sldId id="299" r:id="rId21"/>
     <p:sldId id="260" r:id="rId22"/>
     <p:sldId id="269" r:id="rId23"/>
   </p:sldIdLst>
@@ -866,15 +866,15 @@
       <cdr:y>0</cdr:y>
     </cdr:from>
     <cdr:to>
-      <cdr:x>1</cdr:x>
+      <cdr:x>0.62322</cdr:x>
       <cdr:y>1</cdr:y>
     </cdr:to>
     <cdr:pic>
       <cdr:nvPicPr>
-        <cdr:cNvPr id="5" name="Picture 4" descr="A close up of text on a white background&#10;&#10;Description automatically generated">
+        <cdr:cNvPr id="3" name="Picture 2" descr="A close up of text on a white background&#10;&#10;Description automatically generated">
           <a:extLst xmlns:a="http://schemas.openxmlformats.org/drawingml/2006/main">
             <a:ext uri="{FF2B5EF4-FFF2-40B4-BE49-F238E27FC236}">
-              <a16:creationId xmlns:a16="http://schemas.microsoft.com/office/drawing/2014/main" id="{B839A28B-1CF6-4144-9FC1-7460FCF7936D}"/>
+              <a16:creationId xmlns:a16="http://schemas.microsoft.com/office/drawing/2014/main" id="{B55D96D3-A997-4159-A737-C322B6D66E5F}"/>
             </a:ext>
           </a:extLst>
         </cdr:cNvPr>
@@ -891,7 +891,7 @@
       <cdr:spPr>
         <a:xfrm xmlns:a="http://schemas.openxmlformats.org/drawingml/2006/main">
           <a:off x="0" y="0"/>
-          <a:ext cx="9689766" cy="4444199"/>
+          <a:ext cx="6038850" cy="6115050"/>
         </a:xfrm>
         <a:prstGeom xmlns:a="http://schemas.openxmlformats.org/drawingml/2006/main" prst="rect">
           <a:avLst/>
@@ -996,7 +996,7 @@
           <a:p>
             <a:fld id="{1CA5457B-CDAE-4DEB-AEC8-C82DE2312E37}" type="datetimeFigureOut">
               <a:rPr lang="en-US" smtClean="0"/>
-              <a:t>11/25/2019</a:t>
+              <a:t>11/26/2019</a:t>
             </a:fld>
             <a:endParaRPr lang="en-US" dirty="0"/>
           </a:p>
@@ -1173,7 +1173,7 @@
           <a:p>
             <a:fld id="{090B78EA-28CE-41D8-9043-90E391E5F567}" type="datetimeFigureOut">
               <a:rPr lang="en-US" noProof="0" smtClean="0"/>
-              <a:t>11/25/2019</a:t>
+              <a:t>11/26/2019</a:t>
             </a:fld>
             <a:endParaRPr lang="en-US" noProof="0" dirty="0"/>
           </a:p>
@@ -26330,7 +26330,7 @@
                   </a:schemeClr>
                 </a:solidFill>
               </a:rPr>
-              <a:t>Jaquelyn Johnson</a:t>
+              <a:t>Jacquelyn Johnson</a:t>
             </a:r>
           </a:p>
           <a:p>
@@ -26460,235 +26460,6 @@
               <a:rPr lang="en-US" smtClean="0"/>
               <a:pPr/>
               <a:t>10</a:t>
-            </a:fld>
-            <a:endParaRPr lang="en-US" dirty="0"/>
-          </a:p>
-        </p:txBody>
-      </p:sp>
-      <p:sp>
-        <p:nvSpPr>
-          <p:cNvPr id="5" name="Title 4">
-            <a:extLst>
-              <a:ext uri="{FF2B5EF4-FFF2-40B4-BE49-F238E27FC236}">
-                <a16:creationId xmlns:a16="http://schemas.microsoft.com/office/drawing/2014/main" id="{36053C8C-D294-4D32-B489-ED5646A3D759}"/>
-              </a:ext>
-            </a:extLst>
-          </p:cNvPr>
-          <p:cNvSpPr>
-            <a:spLocks noGrp="1"/>
-          </p:cNvSpPr>
-          <p:nvPr>
-            <p:ph type="title"/>
-          </p:nvPr>
-        </p:nvSpPr>
-        <p:spPr/>
-        <p:txBody>
-          <a:bodyPr/>
-          <a:lstStyle/>
-          <a:p>
-            <a:r>
-              <a:rPr lang="en-US" dirty="0"/>
-              <a:t>Login</a:t>
-            </a:r>
-          </a:p>
-        </p:txBody>
-      </p:sp>
-      <p:graphicFrame>
-        <p:nvGraphicFramePr>
-          <p:cNvPr id="3" name="Table 3">
-            <a:extLst>
-              <a:ext uri="{FF2B5EF4-FFF2-40B4-BE49-F238E27FC236}">
-                <a16:creationId xmlns:a16="http://schemas.microsoft.com/office/drawing/2014/main" id="{4ABEB4EE-69D5-46E7-8A0E-1C32C0B88637}"/>
-              </a:ext>
-            </a:extLst>
-          </p:cNvPr>
-          <p:cNvGraphicFramePr>
-            <a:graphicFrameLocks noGrp="1"/>
-          </p:cNvGraphicFramePr>
-          <p:nvPr>
-            <p:extLst>
-              <p:ext uri="{D42A27DB-BD31-4B8C-83A1-F6EECF244321}">
-                <p14:modId xmlns:p14="http://schemas.microsoft.com/office/powerpoint/2010/main" val="1023271853"/>
-              </p:ext>
-            </p:extLst>
-          </p:nvPr>
-        </p:nvGraphicFramePr>
-        <p:xfrm>
-          <a:off x="444500" y="1489687"/>
-          <a:ext cx="10807700" cy="2989427"/>
-        </p:xfrm>
-        <a:graphic>
-          <a:graphicData uri="http://schemas.openxmlformats.org/drawingml/2006/table">
-            <a:tbl>
-              <a:tblPr firstRow="1" bandRow="1">
-                <a:tableStyleId>{5C22544A-7EE6-4342-B048-85BDC9FD1C3A}</a:tableStyleId>
-              </a:tblPr>
-              <a:tblGrid>
-                <a:gridCol w="5403850">
-                  <a:extLst>
-                    <a:ext uri="{9D8B030D-6E8A-4147-A177-3AD203B41FA5}">
-                      <a16:colId xmlns:a16="http://schemas.microsoft.com/office/drawing/2014/main" val="2360018771"/>
-                    </a:ext>
-                  </a:extLst>
-                </a:gridCol>
-                <a:gridCol w="5403850">
-                  <a:extLst>
-                    <a:ext uri="{9D8B030D-6E8A-4147-A177-3AD203B41FA5}">
-                      <a16:colId xmlns:a16="http://schemas.microsoft.com/office/drawing/2014/main" val="678148496"/>
-                    </a:ext>
-                  </a:extLst>
-                </a:gridCol>
-              </a:tblGrid>
-              <a:tr h="764387">
-                <a:tc>
-                  <a:txBody>
-                    <a:bodyPr/>
-                    <a:lstStyle/>
-                    <a:p>
-                      <a:r>
-                        <a:rPr lang="en-US" sz="3600" dirty="0"/>
-                        <a:t>Responsibilities</a:t>
-                      </a:r>
-                    </a:p>
-                  </a:txBody>
-                  <a:tcPr/>
-                </a:tc>
-                <a:tc>
-                  <a:txBody>
-                    <a:bodyPr/>
-                    <a:lstStyle/>
-                    <a:p>
-                      <a:r>
-                        <a:rPr lang="en-US" sz="3600" dirty="0"/>
-                        <a:t>Collaborators</a:t>
-                      </a:r>
-                    </a:p>
-                  </a:txBody>
-                  <a:tcPr/>
-                </a:tc>
-                <a:extLst>
-                  <a:ext uri="{0D108BD9-81ED-4DB2-BD59-A6C34878D82A}">
-                    <a16:rowId xmlns:a16="http://schemas.microsoft.com/office/drawing/2014/main" val="2783069032"/>
-                  </a:ext>
-                </a:extLst>
-              </a:tr>
-              <a:tr h="1884789">
-                <a:tc>
-                  <a:txBody>
-                    <a:bodyPr/>
-                    <a:lstStyle/>
-                    <a:p>
-                      <a:r>
-                        <a:rPr lang="en-US" sz="2800" dirty="0"/>
-                        <a:t>This class implements the methods to perform password validation, GPA calculation, and course registration (adding and deleting)</a:t>
-                      </a:r>
-                    </a:p>
-                  </a:txBody>
-                  <a:tcPr/>
-                </a:tc>
-                <a:tc>
-                  <a:txBody>
-                    <a:bodyPr/>
-                    <a:lstStyle/>
-                    <a:p>
-                      <a:r>
-                        <a:rPr lang="en-US" sz="2800" dirty="0"/>
-                        <a:t>This class is called by </a:t>
-                      </a:r>
-                      <a:r>
-                        <a:rPr lang="en-US" sz="2800" dirty="0" err="1"/>
-                        <a:t>mainFrame</a:t>
-                      </a:r>
-                      <a:r>
-                        <a:rPr lang="en-US" sz="2800" dirty="0"/>
-                        <a:t> and </a:t>
-                      </a:r>
-                      <a:r>
-                        <a:rPr lang="en-US" sz="2800" dirty="0" err="1"/>
-                        <a:t>AdminFrame</a:t>
-                      </a:r>
-                      <a:endParaRPr lang="en-US" sz="2800" dirty="0"/>
-                    </a:p>
-                  </a:txBody>
-                  <a:tcPr/>
-                </a:tc>
-                <a:extLst>
-                  <a:ext uri="{0D108BD9-81ED-4DB2-BD59-A6C34878D82A}">
-                    <a16:rowId xmlns:a16="http://schemas.microsoft.com/office/drawing/2014/main" val="537702199"/>
-                  </a:ext>
-                </a:extLst>
-              </a:tr>
-            </a:tbl>
-          </a:graphicData>
-        </a:graphic>
-      </p:graphicFrame>
-    </p:spTree>
-    <p:extLst>
-      <p:ext uri="{BB962C8B-B14F-4D97-AF65-F5344CB8AC3E}">
-        <p14:creationId xmlns:p14="http://schemas.microsoft.com/office/powerpoint/2010/main" val="244398887"/>
-      </p:ext>
-    </p:extLst>
-  </p:cSld>
-  <p:clrMapOvr>
-    <a:masterClrMapping/>
-  </p:clrMapOvr>
-  <mc:AlternateContent xmlns:mc="http://schemas.openxmlformats.org/markup-compatibility/2006" xmlns:p14="http://schemas.microsoft.com/office/powerpoint/2010/main">
-    <mc:Choice Requires="p14">
-      <p:transition spd="med" p14:dur="700">
-        <p:fade/>
-      </p:transition>
-    </mc:Choice>
-    <mc:Fallback xmlns="">
-      <p:transition spd="med">
-        <p:fade/>
-      </p:transition>
-    </mc:Fallback>
-  </mc:AlternateContent>
-</p:sld>
-</file>
-
-<file path=ppt/slides/slide11.xml><?xml version="1.0" encoding="utf-8"?>
-<p:sld xmlns:a="http://schemas.openxmlformats.org/drawingml/2006/main" xmlns:r="http://schemas.openxmlformats.org/officeDocument/2006/relationships" xmlns:p="http://schemas.openxmlformats.org/presentationml/2006/main">
-  <p:cSld>
-    <p:spTree>
-      <p:nvGrpSpPr>
-        <p:cNvPr id="1" name=""/>
-        <p:cNvGrpSpPr/>
-        <p:nvPr/>
-      </p:nvGrpSpPr>
-      <p:grpSpPr>
-        <a:xfrm>
-          <a:off x="0" y="0"/>
-          <a:ext cx="0" cy="0"/>
-          <a:chOff x="0" y="0"/>
-          <a:chExt cx="0" cy="0"/>
-        </a:xfrm>
-      </p:grpSpPr>
-      <p:sp>
-        <p:nvSpPr>
-          <p:cNvPr id="2" name="Slide Number Placeholder 1">
-            <a:extLst>
-              <a:ext uri="{FF2B5EF4-FFF2-40B4-BE49-F238E27FC236}">
-                <a16:creationId xmlns:a16="http://schemas.microsoft.com/office/drawing/2014/main" id="{E4398C1C-6656-4A73-A680-62A81CDC27FD}"/>
-              </a:ext>
-            </a:extLst>
-          </p:cNvPr>
-          <p:cNvSpPr>
-            <a:spLocks noGrp="1"/>
-          </p:cNvSpPr>
-          <p:nvPr>
-            <p:ph type="sldNum" sz="quarter" idx="12"/>
-          </p:nvPr>
-        </p:nvSpPr>
-        <p:spPr/>
-        <p:txBody>
-          <a:bodyPr/>
-          <a:lstStyle/>
-          <a:p>
-            <a:fld id="{C263D6C4-4840-40CC-AC84-17E24B3B7BDE}" type="slidenum">
-              <a:rPr lang="en-US" smtClean="0"/>
-              <a:pPr/>
-              <a:t>11</a:t>
             </a:fld>
             <a:endParaRPr lang="en-US" dirty="0"/>
           </a:p>
@@ -26872,7 +26643,7 @@
 </p:sld>
 </file>
 
-<file path=ppt/slides/slide12.xml><?xml version="1.0" encoding="utf-8"?>
+<file path=ppt/slides/slide11.xml><?xml version="1.0" encoding="utf-8"?>
 <p:sld xmlns:a="http://schemas.openxmlformats.org/drawingml/2006/main" xmlns:r="http://schemas.openxmlformats.org/officeDocument/2006/relationships" xmlns:p="http://schemas.openxmlformats.org/presentationml/2006/main">
   <p:cSld>
     <p:spTree>
@@ -26984,7 +26755,7 @@
             <a:fld id="{C263D6C4-4840-40CC-AC84-17E24B3B7BDE}" type="slidenum">
               <a:rPr lang="en-US" smtClean="0"/>
               <a:pPr/>
-              <a:t>12</a:t>
+              <a:t>11</a:t>
             </a:fld>
             <a:endParaRPr lang="en-US" dirty="0"/>
           </a:p>
@@ -27015,7 +26786,7 @@
 </p:sld>
 </file>
 
-<file path=ppt/slides/slide13.xml><?xml version="1.0" encoding="utf-8"?>
+<file path=ppt/slides/slide12.xml><?xml version="1.0" encoding="utf-8"?>
 <p:sld xmlns:a="http://schemas.openxmlformats.org/drawingml/2006/main" xmlns:r="http://schemas.openxmlformats.org/officeDocument/2006/relationships" xmlns:p="http://schemas.openxmlformats.org/presentationml/2006/main">
   <p:cSld>
     <p:spTree>
@@ -27056,7 +26827,7 @@
             <a:fld id="{C263D6C4-4840-40CC-AC84-17E24B3B7BDE}" type="slidenum">
               <a:rPr lang="en-US" smtClean="0"/>
               <a:pPr/>
-              <a:t>13</a:t>
+              <a:t>12</a:t>
             </a:fld>
             <a:endParaRPr lang="en-US" dirty="0"/>
           </a:p>
@@ -27145,7 +26916,7 @@
 </p:sld>
 </file>
 
-<file path=ppt/slides/slide14.xml><?xml version="1.0" encoding="utf-8"?>
+<file path=ppt/slides/slide13.xml><?xml version="1.0" encoding="utf-8"?>
 <p:sld xmlns:a="http://schemas.openxmlformats.org/drawingml/2006/main" xmlns:r="http://schemas.openxmlformats.org/officeDocument/2006/relationships" xmlns:p="http://schemas.openxmlformats.org/presentationml/2006/main">
   <p:cSld>
     <p:spTree>
@@ -27214,7 +26985,7 @@
             <a:fld id="{C263D6C4-4840-40CC-AC84-17E24B3B7BDE}" type="slidenum">
               <a:rPr lang="en-US" smtClean="0"/>
               <a:pPr/>
-              <a:t>14</a:t>
+              <a:t>13</a:t>
             </a:fld>
             <a:endParaRPr lang="en-US" dirty="0"/>
           </a:p>
@@ -27275,31 +27046,35 @@
           </a:prstGeom>
         </p:spPr>
       </p:pic>
-      <p:sp>
-        <p:nvSpPr>
-          <p:cNvPr id="11" name="Content Placeholder 10">
+      <p:pic>
+        <p:nvPicPr>
+          <p:cNvPr id="7" name="Content Placeholder 6" descr="A picture containing bird, tree, flower&#10;&#10;Description automatically generated">
             <a:extLst>
               <a:ext uri="{FF2B5EF4-FFF2-40B4-BE49-F238E27FC236}">
-                <a16:creationId xmlns:a16="http://schemas.microsoft.com/office/drawing/2014/main" id="{3623EAAF-96E1-4B1A-B23E-1602B3F2FD5E}"/>
+                <a16:creationId xmlns:a16="http://schemas.microsoft.com/office/drawing/2014/main" id="{D481A1EC-B5D4-4508-BB27-027AA4C4C582}"/>
               </a:ext>
             </a:extLst>
           </p:cNvPr>
-          <p:cNvSpPr>
-            <a:spLocks noGrp="1"/>
-          </p:cNvSpPr>
+          <p:cNvPicPr>
+            <a:picLocks noGrp="1" noChangeAspect="1"/>
+          </p:cNvPicPr>
           <p:nvPr>
             <p:ph sz="half" idx="2"/>
           </p:nvPr>
-        </p:nvSpPr>
-        <p:spPr/>
-        <p:txBody>
-          <a:bodyPr/>
-          <a:lstStyle/>
-          <a:p>
-            <a:endParaRPr lang="en-US"/>
-          </a:p>
-        </p:txBody>
-      </p:sp>
+        </p:nvPicPr>
+        <p:blipFill>
+          <a:blip r:embed="rId3"/>
+          <a:stretch>
+            <a:fillRect/>
+          </a:stretch>
+        </p:blipFill>
+        <p:spPr>
+          <a:xfrm>
+            <a:off x="6473825" y="1461366"/>
+            <a:ext cx="5683204" cy="4712990"/>
+          </a:xfrm>
+        </p:spPr>
+      </p:pic>
     </p:spTree>
     <p:extLst>
       <p:ext uri="{BB962C8B-B14F-4D97-AF65-F5344CB8AC3E}">
@@ -27325,7 +27100,7 @@
 </p:sld>
 </file>
 
-<file path=ppt/slides/slide15.xml><?xml version="1.0" encoding="utf-8"?>
+<file path=ppt/slides/slide14.xml><?xml version="1.0" encoding="utf-8"?>
 <p:sld xmlns:a="http://schemas.openxmlformats.org/drawingml/2006/main" xmlns:r="http://schemas.openxmlformats.org/officeDocument/2006/relationships" xmlns:p="http://schemas.openxmlformats.org/presentationml/2006/main">
   <p:cSld>
     <p:spTree>
@@ -27366,7 +27141,7 @@
             <a:fld id="{C263D6C4-4840-40CC-AC84-17E24B3B7BDE}" type="slidenum">
               <a:rPr lang="en-US" smtClean="0"/>
               <a:pPr/>
-              <a:t>15</a:t>
+              <a:t>14</a:t>
             </a:fld>
             <a:endParaRPr lang="en-US" dirty="0"/>
           </a:p>
@@ -27455,7 +27230,7 @@
 </p:sld>
 </file>
 
-<file path=ppt/slides/slide16.xml><?xml version="1.0" encoding="utf-8"?>
+<file path=ppt/slides/slide15.xml><?xml version="1.0" encoding="utf-8"?>
 <p:sld xmlns:a="http://schemas.openxmlformats.org/drawingml/2006/main" xmlns:r="http://schemas.openxmlformats.org/officeDocument/2006/relationships" xmlns:p="http://schemas.openxmlformats.org/presentationml/2006/main">
   <p:cSld>
     <p:spTree>
@@ -27524,7 +27299,7 @@
             <a:fld id="{C263D6C4-4840-40CC-AC84-17E24B3B7BDE}" type="slidenum">
               <a:rPr lang="en-US" smtClean="0"/>
               <a:pPr/>
-              <a:t>16</a:t>
+              <a:t>15</a:t>
             </a:fld>
             <a:endParaRPr lang="en-US" dirty="0"/>
           </a:p>
@@ -27613,6 +27388,164 @@
 </p:sld>
 </file>
 
+<file path=ppt/slides/slide16.xml><?xml version="1.0" encoding="utf-8"?>
+<p:sld xmlns:a="http://schemas.openxmlformats.org/drawingml/2006/main" xmlns:r="http://schemas.openxmlformats.org/officeDocument/2006/relationships" xmlns:p="http://schemas.openxmlformats.org/presentationml/2006/main">
+  <p:cSld>
+    <p:spTree>
+      <p:nvGrpSpPr>
+        <p:cNvPr id="1" name=""/>
+        <p:cNvGrpSpPr/>
+        <p:nvPr/>
+      </p:nvGrpSpPr>
+      <p:grpSpPr>
+        <a:xfrm>
+          <a:off x="0" y="0"/>
+          <a:ext cx="0" cy="0"/>
+          <a:chOff x="0" y="0"/>
+          <a:chExt cx="0" cy="0"/>
+        </a:xfrm>
+      </p:grpSpPr>
+      <p:sp>
+        <p:nvSpPr>
+          <p:cNvPr id="5" name="Title 4">
+            <a:extLst>
+              <a:ext uri="{FF2B5EF4-FFF2-40B4-BE49-F238E27FC236}">
+                <a16:creationId xmlns:a16="http://schemas.microsoft.com/office/drawing/2014/main" id="{36053C8C-D294-4D32-B489-ED5646A3D759}"/>
+              </a:ext>
+            </a:extLst>
+          </p:cNvPr>
+          <p:cNvSpPr>
+            <a:spLocks noGrp="1"/>
+          </p:cNvSpPr>
+          <p:nvPr>
+            <p:ph type="title"/>
+          </p:nvPr>
+        </p:nvSpPr>
+        <p:spPr/>
+        <p:txBody>
+          <a:bodyPr/>
+          <a:lstStyle/>
+          <a:p>
+            <a:r>
+              <a:rPr lang="en-US" dirty="0"/>
+              <a:t>Test Workflow - User</a:t>
+            </a:r>
+          </a:p>
+        </p:txBody>
+      </p:sp>
+      <p:sp>
+        <p:nvSpPr>
+          <p:cNvPr id="2" name="Slide Number Placeholder 1">
+            <a:extLst>
+              <a:ext uri="{FF2B5EF4-FFF2-40B4-BE49-F238E27FC236}">
+                <a16:creationId xmlns:a16="http://schemas.microsoft.com/office/drawing/2014/main" id="{E4398C1C-6656-4A73-A680-62A81CDC27FD}"/>
+              </a:ext>
+            </a:extLst>
+          </p:cNvPr>
+          <p:cNvSpPr>
+            <a:spLocks noGrp="1"/>
+          </p:cNvSpPr>
+          <p:nvPr>
+            <p:ph type="sldNum" sz="quarter" idx="12"/>
+          </p:nvPr>
+        </p:nvSpPr>
+        <p:spPr/>
+        <p:txBody>
+          <a:bodyPr/>
+          <a:lstStyle/>
+          <a:p>
+            <a:fld id="{C263D6C4-4840-40CC-AC84-17E24B3B7BDE}" type="slidenum">
+              <a:rPr lang="en-US" smtClean="0"/>
+              <a:pPr/>
+              <a:t>16</a:t>
+            </a:fld>
+            <a:endParaRPr lang="en-US" dirty="0"/>
+          </a:p>
+        </p:txBody>
+      </p:sp>
+      <p:pic>
+        <p:nvPicPr>
+          <p:cNvPr id="7" name="Content Placeholder 6" descr="A screenshot of a cell phone&#10;&#10;Description automatically generated">
+            <a:extLst>
+              <a:ext uri="{FF2B5EF4-FFF2-40B4-BE49-F238E27FC236}">
+                <a16:creationId xmlns:a16="http://schemas.microsoft.com/office/drawing/2014/main" id="{118E1261-770E-4D67-B436-A839456357BD}"/>
+              </a:ext>
+            </a:extLst>
+          </p:cNvPr>
+          <p:cNvPicPr>
+            <a:picLocks noGrp="1" noChangeAspect="1"/>
+          </p:cNvPicPr>
+          <p:nvPr>
+            <p:ph sz="half" idx="1"/>
+          </p:nvPr>
+        </p:nvPicPr>
+        <p:blipFill>
+          <a:blip r:embed="rId2"/>
+          <a:stretch>
+            <a:fillRect/>
+          </a:stretch>
+        </p:blipFill>
+        <p:spPr>
+          <a:xfrm>
+            <a:off x="935038" y="2332831"/>
+            <a:ext cx="4200525" cy="3028950"/>
+          </a:xfrm>
+        </p:spPr>
+      </p:pic>
+      <p:pic>
+        <p:nvPicPr>
+          <p:cNvPr id="9" name="Content Placeholder 8" descr="A screenshot of a cell phone&#10;&#10;Description automatically generated">
+            <a:extLst>
+              <a:ext uri="{FF2B5EF4-FFF2-40B4-BE49-F238E27FC236}">
+                <a16:creationId xmlns:a16="http://schemas.microsoft.com/office/drawing/2014/main" id="{98F482C0-BBA5-4D95-BA12-8A6CE80B6B90}"/>
+              </a:ext>
+            </a:extLst>
+          </p:cNvPr>
+          <p:cNvPicPr>
+            <a:picLocks noGrp="1" noChangeAspect="1"/>
+          </p:cNvPicPr>
+          <p:nvPr>
+            <p:ph sz="half" idx="2"/>
+          </p:nvPr>
+        </p:nvPicPr>
+        <p:blipFill>
+          <a:blip r:embed="rId3"/>
+          <a:stretch>
+            <a:fillRect/>
+          </a:stretch>
+        </p:blipFill>
+        <p:spPr>
+          <a:xfrm>
+            <a:off x="6689725" y="2309019"/>
+            <a:ext cx="4752975" cy="3076575"/>
+          </a:xfrm>
+        </p:spPr>
+      </p:pic>
+    </p:spTree>
+    <p:extLst>
+      <p:ext uri="{BB962C8B-B14F-4D97-AF65-F5344CB8AC3E}">
+        <p14:creationId xmlns:p14="http://schemas.microsoft.com/office/powerpoint/2010/main" val="133159090"/>
+      </p:ext>
+    </p:extLst>
+  </p:cSld>
+  <p:clrMapOvr>
+    <a:masterClrMapping/>
+  </p:clrMapOvr>
+  <mc:AlternateContent xmlns:mc="http://schemas.openxmlformats.org/markup-compatibility/2006" xmlns:p14="http://schemas.microsoft.com/office/powerpoint/2010/main">
+    <mc:Choice Requires="p14">
+      <p:transition spd="med" p14:dur="700">
+        <p:fade/>
+      </p:transition>
+    </mc:Choice>
+    <mc:Fallback xmlns="">
+      <p:transition spd="med">
+        <p:fade/>
+      </p:transition>
+    </mc:Fallback>
+  </mc:AlternateContent>
+</p:sld>
+</file>
+
 <file path=ppt/slides/slide17.xml><?xml version="1.0" encoding="utf-8"?>
 <p:sld xmlns:a="http://schemas.openxmlformats.org/drawingml/2006/main" xmlns:r="http://schemas.openxmlformats.org/officeDocument/2006/relationships" xmlns:p="http://schemas.openxmlformats.org/presentationml/2006/main">
   <p:cSld>
@@ -27630,6 +27563,34 @@
           <a:chExt cx="0" cy="0"/>
         </a:xfrm>
       </p:grpSpPr>
+      <p:sp>
+        <p:nvSpPr>
+          <p:cNvPr id="5" name="Title 4">
+            <a:extLst>
+              <a:ext uri="{FF2B5EF4-FFF2-40B4-BE49-F238E27FC236}">
+                <a16:creationId xmlns:a16="http://schemas.microsoft.com/office/drawing/2014/main" id="{36053C8C-D294-4D32-B489-ED5646A3D759}"/>
+              </a:ext>
+            </a:extLst>
+          </p:cNvPr>
+          <p:cNvSpPr>
+            <a:spLocks noGrp="1"/>
+          </p:cNvSpPr>
+          <p:nvPr>
+            <p:ph type="title"/>
+          </p:nvPr>
+        </p:nvSpPr>
+        <p:spPr/>
+        <p:txBody>
+          <a:bodyPr/>
+          <a:lstStyle/>
+          <a:p>
+            <a:r>
+              <a:rPr lang="en-US" dirty="0"/>
+              <a:t>Test Workflow - Administrator</a:t>
+            </a:r>
+          </a:p>
+        </p:txBody>
+      </p:sp>
       <p:sp>
         <p:nvSpPr>
           <p:cNvPr id="2" name="Slide Number Placeholder 1">
@@ -27660,38 +27621,68 @@
           </a:p>
         </p:txBody>
       </p:sp>
-      <p:sp>
-        <p:nvSpPr>
-          <p:cNvPr id="5" name="Title 4">
+      <p:pic>
+        <p:nvPicPr>
+          <p:cNvPr id="8" name="Content Placeholder 7" descr="A screenshot of a cell phone&#10;&#10;Description automatically generated">
             <a:extLst>
               <a:ext uri="{FF2B5EF4-FFF2-40B4-BE49-F238E27FC236}">
-                <a16:creationId xmlns:a16="http://schemas.microsoft.com/office/drawing/2014/main" id="{36053C8C-D294-4D32-B489-ED5646A3D759}"/>
+                <a16:creationId xmlns:a16="http://schemas.microsoft.com/office/drawing/2014/main" id="{3A26401F-D938-4C59-9588-DFFB8D6497BD}"/>
               </a:ext>
             </a:extLst>
           </p:cNvPr>
-          <p:cNvSpPr>
-            <a:spLocks noGrp="1"/>
-          </p:cNvSpPr>
+          <p:cNvPicPr>
+            <a:picLocks noGrp="1" noChangeAspect="1"/>
+          </p:cNvPicPr>
           <p:nvPr>
-            <p:ph type="title"/>
+            <p:ph sz="half" idx="1"/>
           </p:nvPr>
-        </p:nvSpPr>
-        <p:spPr/>
-        <p:txBody>
-          <a:bodyPr/>
-          <a:lstStyle/>
-          <a:p>
-            <a:r>
-              <a:rPr lang="en-US" dirty="0"/>
-              <a:t>Test Workflow</a:t>
-            </a:r>
-          </a:p>
-        </p:txBody>
-      </p:sp>
+        </p:nvPicPr>
+        <p:blipFill>
+          <a:blip r:embed="rId2"/>
+          <a:stretch>
+            <a:fillRect/>
+          </a:stretch>
+        </p:blipFill>
+        <p:spPr>
+          <a:xfrm>
+            <a:off x="920750" y="2323306"/>
+            <a:ext cx="4229100" cy="3048000"/>
+          </a:xfrm>
+        </p:spPr>
+      </p:pic>
+      <p:pic>
+        <p:nvPicPr>
+          <p:cNvPr id="13" name="Content Placeholder 12" descr="A screenshot of a cell phone&#10;&#10;Description automatically generated">
+            <a:extLst>
+              <a:ext uri="{FF2B5EF4-FFF2-40B4-BE49-F238E27FC236}">
+                <a16:creationId xmlns:a16="http://schemas.microsoft.com/office/drawing/2014/main" id="{188BB444-97BC-4416-B0A3-3C364A2EFD9E}"/>
+              </a:ext>
+            </a:extLst>
+          </p:cNvPr>
+          <p:cNvPicPr>
+            <a:picLocks noGrp="1" noChangeAspect="1"/>
+          </p:cNvPicPr>
+          <p:nvPr>
+            <p:ph sz="half" idx="2"/>
+          </p:nvPr>
+        </p:nvPicPr>
+        <p:blipFill>
+          <a:blip r:embed="rId3"/>
+          <a:stretch>
+            <a:fillRect/>
+          </a:stretch>
+        </p:blipFill>
+        <p:spPr>
+          <a:xfrm>
+            <a:off x="6473825" y="2246394"/>
+            <a:ext cx="5184775" cy="3212297"/>
+          </a:xfrm>
+        </p:spPr>
+      </p:pic>
     </p:spTree>
     <p:extLst>
       <p:ext uri="{BB962C8B-B14F-4D97-AF65-F5344CB8AC3E}">
-        <p14:creationId xmlns:p14="http://schemas.microsoft.com/office/powerpoint/2010/main" val="133159090"/>
+        <p14:creationId xmlns:p14="http://schemas.microsoft.com/office/powerpoint/2010/main" val="716761529"/>
       </p:ext>
     </p:extLst>
   </p:cSld>
@@ -28249,34 +28240,6 @@
       </p:grpSpPr>
       <p:sp>
         <p:nvSpPr>
-          <p:cNvPr id="5" name="Title 4">
-            <a:extLst>
-              <a:ext uri="{FF2B5EF4-FFF2-40B4-BE49-F238E27FC236}">
-                <a16:creationId xmlns:a16="http://schemas.microsoft.com/office/drawing/2014/main" id="{201323FB-427E-4A8D-B473-AB0657D8D23B}"/>
-              </a:ext>
-            </a:extLst>
-          </p:cNvPr>
-          <p:cNvSpPr>
-            <a:spLocks noGrp="1"/>
-          </p:cNvSpPr>
-          <p:nvPr>
-            <p:ph type="title"/>
-          </p:nvPr>
-        </p:nvSpPr>
-        <p:spPr/>
-        <p:txBody>
-          <a:bodyPr/>
-          <a:lstStyle/>
-          <a:p>
-            <a:r>
-              <a:rPr lang="en-US" dirty="0"/>
-              <a:t>Basic UML Diagram</a:t>
-            </a:r>
-          </a:p>
-        </p:txBody>
-      </p:sp>
-      <p:sp>
-        <p:nvSpPr>
           <p:cNvPr id="2" name="Slide Number Placeholder 1">
             <a:extLst>
               <a:ext uri="{FF2B5EF4-FFF2-40B4-BE49-F238E27FC236}">
@@ -28300,108 +28263,6 @@
               <a:rPr lang="en-US" smtClean="0"/>
               <a:pPr/>
               <a:t>3</a:t>
-            </a:fld>
-            <a:endParaRPr lang="en-US" dirty="0"/>
-          </a:p>
-        </p:txBody>
-      </p:sp>
-      <p:pic>
-        <p:nvPicPr>
-          <p:cNvPr id="4" name="Picture 3" descr="A close up of text on a white background&#10;&#10;Description automatically generated">
-            <a:extLst>
-              <a:ext uri="{FF2B5EF4-FFF2-40B4-BE49-F238E27FC236}">
-                <a16:creationId xmlns:a16="http://schemas.microsoft.com/office/drawing/2014/main" id="{02C0516A-40F8-4212-A799-B3AE5ECDBBE0}"/>
-              </a:ext>
-            </a:extLst>
-          </p:cNvPr>
-          <p:cNvPicPr>
-            <a:picLocks noChangeAspect="1"/>
-          </p:cNvPicPr>
-          <p:nvPr/>
-        </p:nvPicPr>
-        <p:blipFill>
-          <a:blip r:embed="rId2"/>
-          <a:stretch>
-            <a:fillRect/>
-          </a:stretch>
-        </p:blipFill>
-        <p:spPr>
-          <a:xfrm>
-            <a:off x="3076575" y="1431635"/>
-            <a:ext cx="6038850" cy="5054889"/>
-          </a:xfrm>
-          <a:prstGeom prst="rect">
-            <a:avLst/>
-          </a:prstGeom>
-        </p:spPr>
-      </p:pic>
-    </p:spTree>
-    <p:extLst>
-      <p:ext uri="{BB962C8B-B14F-4D97-AF65-F5344CB8AC3E}">
-        <p14:creationId xmlns:p14="http://schemas.microsoft.com/office/powerpoint/2010/main" val="1375137937"/>
-      </p:ext>
-    </p:extLst>
-  </p:cSld>
-  <p:clrMapOvr>
-    <a:masterClrMapping/>
-  </p:clrMapOvr>
-  <mc:AlternateContent xmlns:mc="http://schemas.openxmlformats.org/markup-compatibility/2006" xmlns:p14="http://schemas.microsoft.com/office/powerpoint/2010/main">
-    <mc:Choice Requires="p14">
-      <p:transition spd="med" p14:dur="700">
-        <p:fade/>
-      </p:transition>
-    </mc:Choice>
-    <mc:Fallback xmlns="">
-      <p:transition spd="med">
-        <p:fade/>
-      </p:transition>
-    </mc:Fallback>
-  </mc:AlternateContent>
-</p:sld>
-</file>
-
-<file path=ppt/slides/slide4.xml><?xml version="1.0" encoding="utf-8"?>
-<p:sld xmlns:a="http://schemas.openxmlformats.org/drawingml/2006/main" xmlns:r="http://schemas.openxmlformats.org/officeDocument/2006/relationships" xmlns:p="http://schemas.openxmlformats.org/presentationml/2006/main">
-  <p:cSld>
-    <p:spTree>
-      <p:nvGrpSpPr>
-        <p:cNvPr id="1" name=""/>
-        <p:cNvGrpSpPr/>
-        <p:nvPr/>
-      </p:nvGrpSpPr>
-      <p:grpSpPr>
-        <a:xfrm>
-          <a:off x="0" y="0"/>
-          <a:ext cx="0" cy="0"/>
-          <a:chOff x="0" y="0"/>
-          <a:chExt cx="0" cy="0"/>
-        </a:xfrm>
-      </p:grpSpPr>
-      <p:sp>
-        <p:nvSpPr>
-          <p:cNvPr id="2" name="Slide Number Placeholder 1">
-            <a:extLst>
-              <a:ext uri="{FF2B5EF4-FFF2-40B4-BE49-F238E27FC236}">
-                <a16:creationId xmlns:a16="http://schemas.microsoft.com/office/drawing/2014/main" id="{E4398C1C-6656-4A73-A680-62A81CDC27FD}"/>
-              </a:ext>
-            </a:extLst>
-          </p:cNvPr>
-          <p:cNvSpPr>
-            <a:spLocks noGrp="1"/>
-          </p:cNvSpPr>
-          <p:nvPr>
-            <p:ph type="sldNum" sz="quarter" idx="12"/>
-          </p:nvPr>
-        </p:nvSpPr>
-        <p:spPr/>
-        <p:txBody>
-          <a:bodyPr/>
-          <a:lstStyle/>
-          <a:p>
-            <a:fld id="{C263D6C4-4840-40CC-AC84-17E24B3B7BDE}" type="slidenum">
-              <a:rPr lang="en-US" smtClean="0"/>
-              <a:pPr/>
-              <a:t>4</a:t>
             </a:fld>
             <a:endParaRPr lang="en-US" dirty="0"/>
           </a:p>
@@ -28490,7 +28351,7 @@
 </p:sld>
 </file>
 
-<file path=ppt/slides/slide5.xml><?xml version="1.0" encoding="utf-8"?>
+<file path=ppt/slides/slide4.xml><?xml version="1.0" encoding="utf-8"?>
 <p:sld xmlns:a="http://schemas.openxmlformats.org/drawingml/2006/main" xmlns:r="http://schemas.openxmlformats.org/officeDocument/2006/relationships" xmlns:p="http://schemas.openxmlformats.org/presentationml/2006/main">
   <p:cSld>
     <p:spTree>
@@ -28548,7 +28409,7 @@
           <p:nvPr>
             <p:extLst>
               <p:ext uri="{D42A27DB-BD31-4B8C-83A1-F6EECF244321}">
-                <p14:modId xmlns:p14="http://schemas.microsoft.com/office/powerpoint/2010/main" val="876521192"/>
+                <p14:modId xmlns:p14="http://schemas.microsoft.com/office/powerpoint/2010/main" val="3838335407"/>
               </p:ext>
             </p:extLst>
           </p:nvPr>
@@ -28587,7 +28448,7 @@
             <a:fld id="{C263D6C4-4840-40CC-AC84-17E24B3B7BDE}" type="slidenum">
               <a:rPr lang="en-US" smtClean="0"/>
               <a:pPr/>
-              <a:t>5</a:t>
+              <a:t>4</a:t>
             </a:fld>
             <a:endParaRPr lang="en-US" dirty="0"/>
           </a:p>
@@ -28618,7 +28479,7 @@
 </p:sld>
 </file>
 
-<file path=ppt/slides/slide6.xml><?xml version="1.0" encoding="utf-8"?>
+<file path=ppt/slides/slide5.xml><?xml version="1.0" encoding="utf-8"?>
 <p:sld xmlns:a="http://schemas.openxmlformats.org/drawingml/2006/main" xmlns:r="http://schemas.openxmlformats.org/officeDocument/2006/relationships" xmlns:p="http://schemas.openxmlformats.org/presentationml/2006/main">
   <p:cSld>
     <p:spTree>
@@ -28728,7 +28589,7 @@
             <a:fld id="{C263D6C4-4840-40CC-AC84-17E24B3B7BDE}" type="slidenum">
               <a:rPr lang="en-US" smtClean="0"/>
               <a:pPr/>
-              <a:t>6</a:t>
+              <a:t>5</a:t>
             </a:fld>
             <a:endParaRPr lang="en-US" dirty="0"/>
           </a:p>
@@ -28759,7 +28620,7 @@
 </p:sld>
 </file>
 
-<file path=ppt/slides/slide7.xml><?xml version="1.0" encoding="utf-8"?>
+<file path=ppt/slides/slide6.xml><?xml version="1.0" encoding="utf-8"?>
 <p:sld xmlns:a="http://schemas.openxmlformats.org/drawingml/2006/main" xmlns:r="http://schemas.openxmlformats.org/officeDocument/2006/relationships" xmlns:p="http://schemas.openxmlformats.org/presentationml/2006/main">
   <p:cSld>
     <p:spTree>
@@ -28800,7 +28661,7 @@
             <a:fld id="{C263D6C4-4840-40CC-AC84-17E24B3B7BDE}" type="slidenum">
               <a:rPr lang="en-US" smtClean="0"/>
               <a:pPr/>
-              <a:t>7</a:t>
+              <a:t>6</a:t>
             </a:fld>
             <a:endParaRPr lang="en-US" dirty="0"/>
           </a:p>
@@ -28978,7 +28839,7 @@
 </p:sld>
 </file>
 
-<file path=ppt/slides/slide8.xml><?xml version="1.0" encoding="utf-8"?>
+<file path=ppt/slides/slide7.xml><?xml version="1.0" encoding="utf-8"?>
 <p:sld xmlns:a="http://schemas.openxmlformats.org/drawingml/2006/main" xmlns:r="http://schemas.openxmlformats.org/officeDocument/2006/relationships" xmlns:p="http://schemas.openxmlformats.org/presentationml/2006/main">
   <p:cSld>
     <p:spTree>
@@ -29019,7 +28880,7 @@
             <a:fld id="{C263D6C4-4840-40CC-AC84-17E24B3B7BDE}" type="slidenum">
               <a:rPr lang="en-US" smtClean="0"/>
               <a:pPr/>
-              <a:t>8</a:t>
+              <a:t>7</a:t>
             </a:fld>
             <a:endParaRPr lang="en-US" dirty="0"/>
           </a:p>
@@ -29218,7 +29079,7 @@
 </p:sld>
 </file>
 
-<file path=ppt/slides/slide9.xml><?xml version="1.0" encoding="utf-8"?>
+<file path=ppt/slides/slide8.xml><?xml version="1.0" encoding="utf-8"?>
 <p:sld xmlns:a="http://schemas.openxmlformats.org/drawingml/2006/main" xmlns:r="http://schemas.openxmlformats.org/officeDocument/2006/relationships" xmlns:p="http://schemas.openxmlformats.org/presentationml/2006/main">
   <p:cSld>
     <p:spTree>
@@ -29259,7 +29120,7 @@
             <a:fld id="{C263D6C4-4840-40CC-AC84-17E24B3B7BDE}" type="slidenum">
               <a:rPr lang="en-US" smtClean="0"/>
               <a:pPr/>
-              <a:t>9</a:t>
+              <a:t>8</a:t>
             </a:fld>
             <a:endParaRPr lang="en-US" dirty="0"/>
           </a:p>
@@ -29429,6 +29290,235 @@
     <p:extLst>
       <p:ext uri="{BB962C8B-B14F-4D97-AF65-F5344CB8AC3E}">
         <p14:creationId xmlns:p14="http://schemas.microsoft.com/office/powerpoint/2010/main" val="2469514415"/>
+      </p:ext>
+    </p:extLst>
+  </p:cSld>
+  <p:clrMapOvr>
+    <a:masterClrMapping/>
+  </p:clrMapOvr>
+  <mc:AlternateContent xmlns:mc="http://schemas.openxmlformats.org/markup-compatibility/2006" xmlns:p14="http://schemas.microsoft.com/office/powerpoint/2010/main">
+    <mc:Choice Requires="p14">
+      <p:transition spd="med" p14:dur="700">
+        <p:fade/>
+      </p:transition>
+    </mc:Choice>
+    <mc:Fallback xmlns="">
+      <p:transition spd="med">
+        <p:fade/>
+      </p:transition>
+    </mc:Fallback>
+  </mc:AlternateContent>
+</p:sld>
+</file>
+
+<file path=ppt/slides/slide9.xml><?xml version="1.0" encoding="utf-8"?>
+<p:sld xmlns:a="http://schemas.openxmlformats.org/drawingml/2006/main" xmlns:r="http://schemas.openxmlformats.org/officeDocument/2006/relationships" xmlns:p="http://schemas.openxmlformats.org/presentationml/2006/main">
+  <p:cSld>
+    <p:spTree>
+      <p:nvGrpSpPr>
+        <p:cNvPr id="1" name=""/>
+        <p:cNvGrpSpPr/>
+        <p:nvPr/>
+      </p:nvGrpSpPr>
+      <p:grpSpPr>
+        <a:xfrm>
+          <a:off x="0" y="0"/>
+          <a:ext cx="0" cy="0"/>
+          <a:chOff x="0" y="0"/>
+          <a:chExt cx="0" cy="0"/>
+        </a:xfrm>
+      </p:grpSpPr>
+      <p:sp>
+        <p:nvSpPr>
+          <p:cNvPr id="2" name="Slide Number Placeholder 1">
+            <a:extLst>
+              <a:ext uri="{FF2B5EF4-FFF2-40B4-BE49-F238E27FC236}">
+                <a16:creationId xmlns:a16="http://schemas.microsoft.com/office/drawing/2014/main" id="{E4398C1C-6656-4A73-A680-62A81CDC27FD}"/>
+              </a:ext>
+            </a:extLst>
+          </p:cNvPr>
+          <p:cNvSpPr>
+            <a:spLocks noGrp="1"/>
+          </p:cNvSpPr>
+          <p:nvPr>
+            <p:ph type="sldNum" sz="quarter" idx="12"/>
+          </p:nvPr>
+        </p:nvSpPr>
+        <p:spPr/>
+        <p:txBody>
+          <a:bodyPr/>
+          <a:lstStyle/>
+          <a:p>
+            <a:fld id="{C263D6C4-4840-40CC-AC84-17E24B3B7BDE}" type="slidenum">
+              <a:rPr lang="en-US" smtClean="0"/>
+              <a:pPr/>
+              <a:t>9</a:t>
+            </a:fld>
+            <a:endParaRPr lang="en-US" dirty="0"/>
+          </a:p>
+        </p:txBody>
+      </p:sp>
+      <p:sp>
+        <p:nvSpPr>
+          <p:cNvPr id="5" name="Title 4">
+            <a:extLst>
+              <a:ext uri="{FF2B5EF4-FFF2-40B4-BE49-F238E27FC236}">
+                <a16:creationId xmlns:a16="http://schemas.microsoft.com/office/drawing/2014/main" id="{36053C8C-D294-4D32-B489-ED5646A3D759}"/>
+              </a:ext>
+            </a:extLst>
+          </p:cNvPr>
+          <p:cNvSpPr>
+            <a:spLocks noGrp="1"/>
+          </p:cNvSpPr>
+          <p:nvPr>
+            <p:ph type="title"/>
+          </p:nvPr>
+        </p:nvSpPr>
+        <p:spPr/>
+        <p:txBody>
+          <a:bodyPr/>
+          <a:lstStyle/>
+          <a:p>
+            <a:r>
+              <a:rPr lang="en-US" dirty="0"/>
+              <a:t>Login</a:t>
+            </a:r>
+          </a:p>
+        </p:txBody>
+      </p:sp>
+      <p:graphicFrame>
+        <p:nvGraphicFramePr>
+          <p:cNvPr id="3" name="Table 3">
+            <a:extLst>
+              <a:ext uri="{FF2B5EF4-FFF2-40B4-BE49-F238E27FC236}">
+                <a16:creationId xmlns:a16="http://schemas.microsoft.com/office/drawing/2014/main" id="{4ABEB4EE-69D5-46E7-8A0E-1C32C0B88637}"/>
+              </a:ext>
+            </a:extLst>
+          </p:cNvPr>
+          <p:cNvGraphicFramePr>
+            <a:graphicFrameLocks noGrp="1"/>
+          </p:cNvGraphicFramePr>
+          <p:nvPr>
+            <p:extLst>
+              <p:ext uri="{D42A27DB-BD31-4B8C-83A1-F6EECF244321}">
+                <p14:modId xmlns:p14="http://schemas.microsoft.com/office/powerpoint/2010/main" val="1023271853"/>
+              </p:ext>
+            </p:extLst>
+          </p:nvPr>
+        </p:nvGraphicFramePr>
+        <p:xfrm>
+          <a:off x="444500" y="1489687"/>
+          <a:ext cx="10807700" cy="2989427"/>
+        </p:xfrm>
+        <a:graphic>
+          <a:graphicData uri="http://schemas.openxmlformats.org/drawingml/2006/table">
+            <a:tbl>
+              <a:tblPr firstRow="1" bandRow="1">
+                <a:tableStyleId>{5C22544A-7EE6-4342-B048-85BDC9FD1C3A}</a:tableStyleId>
+              </a:tblPr>
+              <a:tblGrid>
+                <a:gridCol w="5403850">
+                  <a:extLst>
+                    <a:ext uri="{9D8B030D-6E8A-4147-A177-3AD203B41FA5}">
+                      <a16:colId xmlns:a16="http://schemas.microsoft.com/office/drawing/2014/main" val="2360018771"/>
+                    </a:ext>
+                  </a:extLst>
+                </a:gridCol>
+                <a:gridCol w="5403850">
+                  <a:extLst>
+                    <a:ext uri="{9D8B030D-6E8A-4147-A177-3AD203B41FA5}">
+                      <a16:colId xmlns:a16="http://schemas.microsoft.com/office/drawing/2014/main" val="678148496"/>
+                    </a:ext>
+                  </a:extLst>
+                </a:gridCol>
+              </a:tblGrid>
+              <a:tr h="764387">
+                <a:tc>
+                  <a:txBody>
+                    <a:bodyPr/>
+                    <a:lstStyle/>
+                    <a:p>
+                      <a:r>
+                        <a:rPr lang="en-US" sz="3600" dirty="0"/>
+                        <a:t>Responsibilities</a:t>
+                      </a:r>
+                    </a:p>
+                  </a:txBody>
+                  <a:tcPr/>
+                </a:tc>
+                <a:tc>
+                  <a:txBody>
+                    <a:bodyPr/>
+                    <a:lstStyle/>
+                    <a:p>
+                      <a:r>
+                        <a:rPr lang="en-US" sz="3600" dirty="0"/>
+                        <a:t>Collaborators</a:t>
+                      </a:r>
+                    </a:p>
+                  </a:txBody>
+                  <a:tcPr/>
+                </a:tc>
+                <a:extLst>
+                  <a:ext uri="{0D108BD9-81ED-4DB2-BD59-A6C34878D82A}">
+                    <a16:rowId xmlns:a16="http://schemas.microsoft.com/office/drawing/2014/main" val="2783069032"/>
+                  </a:ext>
+                </a:extLst>
+              </a:tr>
+              <a:tr h="1884789">
+                <a:tc>
+                  <a:txBody>
+                    <a:bodyPr/>
+                    <a:lstStyle/>
+                    <a:p>
+                      <a:r>
+                        <a:rPr lang="en-US" sz="2800" dirty="0"/>
+                        <a:t>This class implements the methods to perform password validation, GPA calculation, and course registration (adding and deleting)</a:t>
+                      </a:r>
+                    </a:p>
+                  </a:txBody>
+                  <a:tcPr/>
+                </a:tc>
+                <a:tc>
+                  <a:txBody>
+                    <a:bodyPr/>
+                    <a:lstStyle/>
+                    <a:p>
+                      <a:r>
+                        <a:rPr lang="en-US" sz="2800" dirty="0"/>
+                        <a:t>This class is called by </a:t>
+                      </a:r>
+                      <a:r>
+                        <a:rPr lang="en-US" sz="2800" dirty="0" err="1"/>
+                        <a:t>mainFrame</a:t>
+                      </a:r>
+                      <a:r>
+                        <a:rPr lang="en-US" sz="2800" dirty="0"/>
+                        <a:t> and </a:t>
+                      </a:r>
+                      <a:r>
+                        <a:rPr lang="en-US" sz="2800" dirty="0" err="1"/>
+                        <a:t>AdminFrame</a:t>
+                      </a:r>
+                      <a:endParaRPr lang="en-US" sz="2800" dirty="0"/>
+                    </a:p>
+                  </a:txBody>
+                  <a:tcPr/>
+                </a:tc>
+                <a:extLst>
+                  <a:ext uri="{0D108BD9-81ED-4DB2-BD59-A6C34878D82A}">
+                    <a16:rowId xmlns:a16="http://schemas.microsoft.com/office/drawing/2014/main" val="537702199"/>
+                  </a:ext>
+                </a:extLst>
+              </a:tr>
+            </a:tbl>
+          </a:graphicData>
+        </a:graphic>
+      </p:graphicFrame>
+    </p:spTree>
+    <p:extLst>
+      <p:ext uri="{BB962C8B-B14F-4D97-AF65-F5344CB8AC3E}">
+        <p14:creationId xmlns:p14="http://schemas.microsoft.com/office/powerpoint/2010/main" val="244398887"/>
       </p:ext>
     </p:extLst>
   </p:cSld>
